--- a/HUMAN POSE ESTIMATION.pptx
+++ b/HUMAN POSE ESTIMATION.pptx
@@ -14,6 +14,10 @@
     <p:sldId id="261" r:id="rId8"/>
     <p:sldId id="262" r:id="rId9"/>
     <p:sldId id="263" r:id="rId10"/>
+    <p:sldId id="266" r:id="rId11"/>
+    <p:sldId id="267" r:id="rId12"/>
+    <p:sldId id="268" r:id="rId13"/>
+    <p:sldId id="269" r:id="rId14"/>
   </p:sldIdLst>
   <p:sldSz cx="12192000" cy="6858000"/>
   <p:notesSz cx="6858000" cy="9144000"/>
@@ -124,19 +128,34 @@
 <pc:chgInfo xmlns:a="http://schemas.openxmlformats.org/drawingml/2006/main" xmlns:r="http://schemas.openxmlformats.org/officeDocument/2006/relationships" xmlns:ac="http://schemas.microsoft.com/office/drawing/2013/main/command" xmlns:pc="http://schemas.microsoft.com/office/powerpoint/2013/main/command">
   <pc:docChgLst>
     <pc:chgData name="Aleena Poulose" userId="8830942b0916478c" providerId="LiveId" clId="{3BC8B338-A2E0-4A6C-9CAB-212F9EB83CFB}"/>
-    <pc:docChg chg="addSld delSld modSld">
-      <pc:chgData name="Aleena Poulose" userId="8830942b0916478c" providerId="LiveId" clId="{3BC8B338-A2E0-4A6C-9CAB-212F9EB83CFB}" dt="2022-06-13T08:47:31.065" v="19" actId="47"/>
+    <pc:docChg chg="custSel addSld delSld modSld">
+      <pc:chgData name="Aleena Poulose" userId="8830942b0916478c" providerId="LiveId" clId="{3BC8B338-A2E0-4A6C-9CAB-212F9EB83CFB}" dt="2022-07-06T03:49:36.012" v="218" actId="1076"/>
       <pc:docMkLst>
         <pc:docMk/>
       </pc:docMkLst>
       <pc:sldChg chg="modSp mod">
-        <pc:chgData name="Aleena Poulose" userId="8830942b0916478c" providerId="LiveId" clId="{3BC8B338-A2E0-4A6C-9CAB-212F9EB83CFB}" dt="2022-06-13T08:43:53.395" v="5" actId="20577"/>
+        <pc:chgData name="Aleena Poulose" userId="8830942b0916478c" providerId="LiveId" clId="{3BC8B338-A2E0-4A6C-9CAB-212F9EB83CFB}" dt="2022-07-06T03:26:56.069" v="183" actId="20577"/>
+        <pc:sldMkLst>
+          <pc:docMk/>
+          <pc:sldMk cId="1570564705" sldId="258"/>
+        </pc:sldMkLst>
+        <pc:spChg chg="mod">
+          <ac:chgData name="Aleena Poulose" userId="8830942b0916478c" providerId="LiveId" clId="{3BC8B338-A2E0-4A6C-9CAB-212F9EB83CFB}" dt="2022-07-06T03:26:56.069" v="183" actId="20577"/>
+          <ac:spMkLst>
+            <pc:docMk/>
+            <pc:sldMk cId="1570564705" sldId="258"/>
+            <ac:spMk id="3" creationId="{79A65F2B-297F-4E44-CD5B-A29F16277EAB}"/>
+          </ac:spMkLst>
+        </pc:spChg>
+      </pc:sldChg>
+      <pc:sldChg chg="modSp mod">
+        <pc:chgData name="Aleena Poulose" userId="8830942b0916478c" providerId="LiveId" clId="{3BC8B338-A2E0-4A6C-9CAB-212F9EB83CFB}" dt="2022-06-22T04:57:32.233" v="166" actId="113"/>
         <pc:sldMkLst>
           <pc:docMk/>
           <pc:sldMk cId="225123657" sldId="259"/>
         </pc:sldMkLst>
         <pc:spChg chg="mod">
-          <ac:chgData name="Aleena Poulose" userId="8830942b0916478c" providerId="LiveId" clId="{3BC8B338-A2E0-4A6C-9CAB-212F9EB83CFB}" dt="2022-06-13T08:43:53.395" v="5" actId="20577"/>
+          <ac:chgData name="Aleena Poulose" userId="8830942b0916478c" providerId="LiveId" clId="{3BC8B338-A2E0-4A6C-9CAB-212F9EB83CFB}" dt="2022-06-22T04:57:32.233" v="166" actId="113"/>
           <ac:spMkLst>
             <pc:docMk/>
             <pc:sldMk cId="225123657" sldId="259"/>
@@ -145,13 +164,28 @@
         </pc:spChg>
       </pc:sldChg>
       <pc:sldChg chg="modSp mod">
-        <pc:chgData name="Aleena Poulose" userId="8830942b0916478c" providerId="LiveId" clId="{3BC8B338-A2E0-4A6C-9CAB-212F9EB83CFB}" dt="2022-06-13T08:44:08.823" v="11" actId="20577"/>
+        <pc:chgData name="Aleena Poulose" userId="8830942b0916478c" providerId="LiveId" clId="{3BC8B338-A2E0-4A6C-9CAB-212F9EB83CFB}" dt="2022-07-06T03:27:52.584" v="204" actId="20577"/>
+        <pc:sldMkLst>
+          <pc:docMk/>
+          <pc:sldMk cId="112242926" sldId="261"/>
+        </pc:sldMkLst>
+        <pc:spChg chg="mod">
+          <ac:chgData name="Aleena Poulose" userId="8830942b0916478c" providerId="LiveId" clId="{3BC8B338-A2E0-4A6C-9CAB-212F9EB83CFB}" dt="2022-07-06T03:27:52.584" v="204" actId="20577"/>
+          <ac:spMkLst>
+            <pc:docMk/>
+            <pc:sldMk cId="112242926" sldId="261"/>
+            <ac:spMk id="3" creationId="{CB1B0E6E-96D8-7BB4-A745-6479A305E863}"/>
+          </ac:spMkLst>
+        </pc:spChg>
+      </pc:sldChg>
+      <pc:sldChg chg="modSp mod">
+        <pc:chgData name="Aleena Poulose" userId="8830942b0916478c" providerId="LiveId" clId="{3BC8B338-A2E0-4A6C-9CAB-212F9EB83CFB}" dt="2022-06-22T04:55:38.857" v="53" actId="20577"/>
         <pc:sldMkLst>
           <pc:docMk/>
           <pc:sldMk cId="349542770" sldId="262"/>
         </pc:sldMkLst>
         <pc:spChg chg="mod">
-          <ac:chgData name="Aleena Poulose" userId="8830942b0916478c" providerId="LiveId" clId="{3BC8B338-A2E0-4A6C-9CAB-212F9EB83CFB}" dt="2022-06-13T08:44:08.823" v="11" actId="20577"/>
+          <ac:chgData name="Aleena Poulose" userId="8830942b0916478c" providerId="LiveId" clId="{3BC8B338-A2E0-4A6C-9CAB-212F9EB83CFB}" dt="2022-06-22T04:55:38.857" v="53" actId="20577"/>
           <ac:spMkLst>
             <pc:docMk/>
             <pc:sldMk cId="349542770" sldId="262"/>
@@ -197,6 +231,98 @@
           </ac:picMkLst>
         </pc:picChg>
       </pc:sldChg>
+      <pc:sldChg chg="addSp delSp modSp new mod">
+        <pc:chgData name="Aleena Poulose" userId="8830942b0916478c" providerId="LiveId" clId="{3BC8B338-A2E0-4A6C-9CAB-212F9EB83CFB}" dt="2022-06-22T04:59:30.331" v="171" actId="1076"/>
+        <pc:sldMkLst>
+          <pc:docMk/>
+          <pc:sldMk cId="1374586081" sldId="266"/>
+        </pc:sldMkLst>
+        <pc:spChg chg="del">
+          <ac:chgData name="Aleena Poulose" userId="8830942b0916478c" providerId="LiveId" clId="{3BC8B338-A2E0-4A6C-9CAB-212F9EB83CFB}" dt="2022-06-22T04:59:07.564" v="168" actId="931"/>
+          <ac:spMkLst>
+            <pc:docMk/>
+            <pc:sldMk cId="1374586081" sldId="266"/>
+            <ac:spMk id="3" creationId="{5AB00A50-BC50-D722-C516-759CB1B2224C}"/>
+          </ac:spMkLst>
+        </pc:spChg>
+        <pc:picChg chg="add mod">
+          <ac:chgData name="Aleena Poulose" userId="8830942b0916478c" providerId="LiveId" clId="{3BC8B338-A2E0-4A6C-9CAB-212F9EB83CFB}" dt="2022-06-22T04:59:30.331" v="171" actId="1076"/>
+          <ac:picMkLst>
+            <pc:docMk/>
+            <pc:sldMk cId="1374586081" sldId="266"/>
+            <ac:picMk id="5" creationId="{F02B54A9-E19A-6EE0-23E1-F3D4673A28A9}"/>
+          </ac:picMkLst>
+        </pc:picChg>
+      </pc:sldChg>
+      <pc:sldChg chg="addSp delSp modSp new mod">
+        <pc:chgData name="Aleena Poulose" userId="8830942b0916478c" providerId="LiveId" clId="{3BC8B338-A2E0-4A6C-9CAB-212F9EB83CFB}" dt="2022-07-06T03:30:42.683" v="208" actId="14100"/>
+        <pc:sldMkLst>
+          <pc:docMk/>
+          <pc:sldMk cId="1654171208" sldId="267"/>
+        </pc:sldMkLst>
+        <pc:spChg chg="del">
+          <ac:chgData name="Aleena Poulose" userId="8830942b0916478c" providerId="LiveId" clId="{3BC8B338-A2E0-4A6C-9CAB-212F9EB83CFB}" dt="2022-07-06T03:30:32.502" v="206" actId="931"/>
+          <ac:spMkLst>
+            <pc:docMk/>
+            <pc:sldMk cId="1654171208" sldId="267"/>
+            <ac:spMk id="3" creationId="{0B948777-5964-7E7B-7C99-E5E923BF0DE8}"/>
+          </ac:spMkLst>
+        </pc:spChg>
+        <pc:picChg chg="add mod">
+          <ac:chgData name="Aleena Poulose" userId="8830942b0916478c" providerId="LiveId" clId="{3BC8B338-A2E0-4A6C-9CAB-212F9EB83CFB}" dt="2022-07-06T03:30:42.683" v="208" actId="14100"/>
+          <ac:picMkLst>
+            <pc:docMk/>
+            <pc:sldMk cId="1654171208" sldId="267"/>
+            <ac:picMk id="5" creationId="{12CC6778-5C05-B5E7-4572-0685167CDF65}"/>
+          </ac:picMkLst>
+        </pc:picChg>
+      </pc:sldChg>
+      <pc:sldChg chg="addSp delSp modSp new mod">
+        <pc:chgData name="Aleena Poulose" userId="8830942b0916478c" providerId="LiveId" clId="{3BC8B338-A2E0-4A6C-9CAB-212F9EB83CFB}" dt="2022-07-06T03:48:11.194" v="213" actId="1076"/>
+        <pc:sldMkLst>
+          <pc:docMk/>
+          <pc:sldMk cId="3491494150" sldId="268"/>
+        </pc:sldMkLst>
+        <pc:spChg chg="del">
+          <ac:chgData name="Aleena Poulose" userId="8830942b0916478c" providerId="LiveId" clId="{3BC8B338-A2E0-4A6C-9CAB-212F9EB83CFB}" dt="2022-07-06T03:47:59.064" v="210" actId="931"/>
+          <ac:spMkLst>
+            <pc:docMk/>
+            <pc:sldMk cId="3491494150" sldId="268"/>
+            <ac:spMk id="3" creationId="{803D33B6-4E04-C7B9-24FB-8B6054EFE26B}"/>
+          </ac:spMkLst>
+        </pc:spChg>
+        <pc:picChg chg="add mod">
+          <ac:chgData name="Aleena Poulose" userId="8830942b0916478c" providerId="LiveId" clId="{3BC8B338-A2E0-4A6C-9CAB-212F9EB83CFB}" dt="2022-07-06T03:48:11.194" v="213" actId="1076"/>
+          <ac:picMkLst>
+            <pc:docMk/>
+            <pc:sldMk cId="3491494150" sldId="268"/>
+            <ac:picMk id="5" creationId="{A30B6C6C-846C-B126-0CFF-98FA02C9013D}"/>
+          </ac:picMkLst>
+        </pc:picChg>
+      </pc:sldChg>
+      <pc:sldChg chg="addSp delSp modSp new mod">
+        <pc:chgData name="Aleena Poulose" userId="8830942b0916478c" providerId="LiveId" clId="{3BC8B338-A2E0-4A6C-9CAB-212F9EB83CFB}" dt="2022-07-06T03:49:36.012" v="218" actId="1076"/>
+        <pc:sldMkLst>
+          <pc:docMk/>
+          <pc:sldMk cId="1178069162" sldId="269"/>
+        </pc:sldMkLst>
+        <pc:spChg chg="del">
+          <ac:chgData name="Aleena Poulose" userId="8830942b0916478c" providerId="LiveId" clId="{3BC8B338-A2E0-4A6C-9CAB-212F9EB83CFB}" dt="2022-07-06T03:49:19.302" v="215" actId="931"/>
+          <ac:spMkLst>
+            <pc:docMk/>
+            <pc:sldMk cId="1178069162" sldId="269"/>
+            <ac:spMk id="3" creationId="{773098DE-E4A6-5669-C44C-85E8E6CF95CB}"/>
+          </ac:spMkLst>
+        </pc:spChg>
+        <pc:picChg chg="add mod">
+          <ac:chgData name="Aleena Poulose" userId="8830942b0916478c" providerId="LiveId" clId="{3BC8B338-A2E0-4A6C-9CAB-212F9EB83CFB}" dt="2022-07-06T03:49:36.012" v="218" actId="1076"/>
+          <ac:picMkLst>
+            <pc:docMk/>
+            <pc:sldMk cId="1178069162" sldId="269"/>
+            <ac:picMk id="5" creationId="{A94961F9-553F-A15A-1A2A-A8F24BC50647}"/>
+          </ac:picMkLst>
+        </pc:picChg>
+      </pc:sldChg>
     </pc:docChg>
   </pc:docChgLst>
 </pc:chgInfo>
@@ -341,7 +467,7 @@
           <a:p>
             <a:fld id="{48A87A34-81AB-432B-8DAE-1953F412C126}" type="datetimeFigureOut">
               <a:rPr lang="en-US" dirty="0"/>
-              <a:t>6/13/2022</a:t>
+              <a:t>7/6/2022</a:t>
             </a:fld>
             <a:endParaRPr lang="en-US" dirty="0"/>
           </a:p>
@@ -547,7 +673,7 @@
           <a:p>
             <a:fld id="{48A87A34-81AB-432B-8DAE-1953F412C126}" type="datetimeFigureOut">
               <a:rPr lang="en-US" dirty="0"/>
-              <a:t>6/13/2022</a:t>
+              <a:t>7/6/2022</a:t>
             </a:fld>
             <a:endParaRPr lang="en-US" dirty="0"/>
           </a:p>
@@ -757,7 +883,7 @@
           <a:p>
             <a:fld id="{48A87A34-81AB-432B-8DAE-1953F412C126}" type="datetimeFigureOut">
               <a:rPr lang="en-US" dirty="0"/>
-              <a:t>6/13/2022</a:t>
+              <a:t>7/6/2022</a:t>
             </a:fld>
             <a:endParaRPr lang="en-US" dirty="0"/>
           </a:p>
@@ -953,7 +1079,7 @@
           <a:p>
             <a:fld id="{48A87A34-81AB-432B-8DAE-1953F412C126}" type="datetimeFigureOut">
               <a:rPr lang="en-US" dirty="0"/>
-              <a:t>6/13/2022</a:t>
+              <a:t>7/6/2022</a:t>
             </a:fld>
             <a:endParaRPr lang="en-US" dirty="0"/>
           </a:p>
@@ -1227,7 +1353,7 @@
           <a:p>
             <a:fld id="{48A87A34-81AB-432B-8DAE-1953F412C126}" type="datetimeFigureOut">
               <a:rPr lang="en-US" dirty="0"/>
-              <a:t>6/13/2022</a:t>
+              <a:t>7/6/2022</a:t>
             </a:fld>
             <a:endParaRPr lang="en-US" dirty="0"/>
           </a:p>
@@ -1490,7 +1616,7 @@
           <a:p>
             <a:fld id="{48A87A34-81AB-432B-8DAE-1953F412C126}" type="datetimeFigureOut">
               <a:rPr lang="en-US" dirty="0"/>
-              <a:t>6/13/2022</a:t>
+              <a:t>7/6/2022</a:t>
             </a:fld>
             <a:endParaRPr lang="en-US" dirty="0"/>
           </a:p>
@@ -1901,7 +2027,7 @@
           <a:p>
             <a:fld id="{48A87A34-81AB-432B-8DAE-1953F412C126}" type="datetimeFigureOut">
               <a:rPr lang="en-US" dirty="0"/>
-              <a:t>6/13/2022</a:t>
+              <a:t>7/6/2022</a:t>
             </a:fld>
             <a:endParaRPr lang="en-US" dirty="0"/>
           </a:p>
@@ -2045,7 +2171,7 @@
           <a:p>
             <a:fld id="{48A87A34-81AB-432B-8DAE-1953F412C126}" type="datetimeFigureOut">
               <a:rPr lang="en-US" dirty="0"/>
-              <a:t>6/13/2022</a:t>
+              <a:t>7/6/2022</a:t>
             </a:fld>
             <a:endParaRPr lang="en-US" dirty="0"/>
           </a:p>
@@ -2166,7 +2292,7 @@
           <a:p>
             <a:fld id="{48A87A34-81AB-432B-8DAE-1953F412C126}" type="datetimeFigureOut">
               <a:rPr lang="en-US" dirty="0"/>
-              <a:t>6/13/2022</a:t>
+              <a:t>7/6/2022</a:t>
             </a:fld>
             <a:endParaRPr lang="en-US" dirty="0"/>
           </a:p>
@@ -2412,7 +2538,7 @@
           <a:p>
             <a:fld id="{48A87A34-81AB-432B-8DAE-1953F412C126}" type="datetimeFigureOut">
               <a:rPr lang="en-US" dirty="0"/>
-              <a:t>6/13/2022</a:t>
+              <a:t>7/6/2022</a:t>
             </a:fld>
             <a:endParaRPr lang="en-US" dirty="0"/>
           </a:p>
@@ -2853,7 +2979,7 @@
             <a:fld id="{48A87A34-81AB-432B-8DAE-1953F412C126}" type="datetimeFigureOut">
               <a:rPr lang="en-US" dirty="0"/>
               <a:pPr/>
-              <a:t>6/13/2022</a:t>
+              <a:t>7/6/2022</a:t>
             </a:fld>
             <a:endParaRPr lang="en-US" dirty="0"/>
           </a:p>
@@ -3176,7 +3302,7 @@
             <a:fld id="{48A87A34-81AB-432B-8DAE-1953F412C126}" type="datetimeFigureOut">
               <a:rPr lang="en-US" dirty="0"/>
               <a:pPr/>
-              <a:t>6/13/2022</a:t>
+              <a:t>7/6/2022</a:t>
             </a:fld>
             <a:endParaRPr lang="en-US" dirty="0"/>
           </a:p>
@@ -3834,6 +3960,342 @@
 </p:sld>
 </file>
 
+<file path=ppt/slides/slide10.xml><?xml version="1.0" encoding="utf-8"?>
+<p:sld xmlns:a="http://schemas.openxmlformats.org/drawingml/2006/main" xmlns:r="http://schemas.openxmlformats.org/officeDocument/2006/relationships" xmlns:p="http://schemas.openxmlformats.org/presentationml/2006/main">
+  <p:cSld>
+    <p:spTree>
+      <p:nvGrpSpPr>
+        <p:cNvPr id="1" name=""/>
+        <p:cNvGrpSpPr/>
+        <p:nvPr/>
+      </p:nvGrpSpPr>
+      <p:grpSpPr>
+        <a:xfrm>
+          <a:off x="0" y="0"/>
+          <a:ext cx="0" cy="0"/>
+          <a:chOff x="0" y="0"/>
+          <a:chExt cx="0" cy="0"/>
+        </a:xfrm>
+      </p:grpSpPr>
+      <p:sp>
+        <p:nvSpPr>
+          <p:cNvPr id="2" name="Title 1">
+            <a:extLst>
+              <a:ext uri="{FF2B5EF4-FFF2-40B4-BE49-F238E27FC236}">
+                <a16:creationId xmlns:a16="http://schemas.microsoft.com/office/drawing/2014/main" id="{D3F3AF02-6E36-07C5-ADA5-F559561282F9}"/>
+              </a:ext>
+            </a:extLst>
+          </p:cNvPr>
+          <p:cNvSpPr>
+            <a:spLocks noGrp="1"/>
+          </p:cNvSpPr>
+          <p:nvPr>
+            <p:ph type="title"/>
+          </p:nvPr>
+        </p:nvSpPr>
+        <p:spPr/>
+        <p:txBody>
+          <a:bodyPr/>
+          <a:lstStyle/>
+          <a:p>
+            <a:endParaRPr lang="en-IN" dirty="0"/>
+          </a:p>
+        </p:txBody>
+      </p:sp>
+      <p:pic>
+        <p:nvPicPr>
+          <p:cNvPr id="5" name="Content Placeholder 4">
+            <a:extLst>
+              <a:ext uri="{FF2B5EF4-FFF2-40B4-BE49-F238E27FC236}">
+                <a16:creationId xmlns:a16="http://schemas.microsoft.com/office/drawing/2014/main" id="{F02B54A9-E19A-6EE0-23E1-F3D4673A28A9}"/>
+              </a:ext>
+            </a:extLst>
+          </p:cNvPr>
+          <p:cNvPicPr>
+            <a:picLocks noGrp="1" noChangeAspect="1"/>
+          </p:cNvPicPr>
+          <p:nvPr>
+            <p:ph idx="1"/>
+          </p:nvPr>
+        </p:nvPicPr>
+        <p:blipFill>
+          <a:blip r:embed="rId2"/>
+          <a:stretch>
+            <a:fillRect/>
+          </a:stretch>
+        </p:blipFill>
+        <p:spPr>
+          <a:xfrm>
+            <a:off x="1032852" y="185953"/>
+            <a:ext cx="10022002" cy="5637377"/>
+          </a:xfrm>
+        </p:spPr>
+      </p:pic>
+    </p:spTree>
+    <p:extLst>
+      <p:ext uri="{BB962C8B-B14F-4D97-AF65-F5344CB8AC3E}">
+        <p14:creationId xmlns:p14="http://schemas.microsoft.com/office/powerpoint/2010/main" val="1374586081"/>
+      </p:ext>
+    </p:extLst>
+  </p:cSld>
+  <p:clrMapOvr>
+    <a:masterClrMapping/>
+  </p:clrMapOvr>
+</p:sld>
+</file>
+
+<file path=ppt/slides/slide11.xml><?xml version="1.0" encoding="utf-8"?>
+<p:sld xmlns:a="http://schemas.openxmlformats.org/drawingml/2006/main" xmlns:r="http://schemas.openxmlformats.org/officeDocument/2006/relationships" xmlns:p="http://schemas.openxmlformats.org/presentationml/2006/main">
+  <p:cSld>
+    <p:spTree>
+      <p:nvGrpSpPr>
+        <p:cNvPr id="1" name=""/>
+        <p:cNvGrpSpPr/>
+        <p:nvPr/>
+      </p:nvGrpSpPr>
+      <p:grpSpPr>
+        <a:xfrm>
+          <a:off x="0" y="0"/>
+          <a:ext cx="0" cy="0"/>
+          <a:chOff x="0" y="0"/>
+          <a:chExt cx="0" cy="0"/>
+        </a:xfrm>
+      </p:grpSpPr>
+      <p:sp>
+        <p:nvSpPr>
+          <p:cNvPr id="2" name="Title 1">
+            <a:extLst>
+              <a:ext uri="{FF2B5EF4-FFF2-40B4-BE49-F238E27FC236}">
+                <a16:creationId xmlns:a16="http://schemas.microsoft.com/office/drawing/2014/main" id="{C4B3CB0E-35A6-85A1-AB2E-38CD6C62B6A5}"/>
+              </a:ext>
+            </a:extLst>
+          </p:cNvPr>
+          <p:cNvSpPr>
+            <a:spLocks noGrp="1"/>
+          </p:cNvSpPr>
+          <p:nvPr>
+            <p:ph type="title"/>
+          </p:nvPr>
+        </p:nvSpPr>
+        <p:spPr/>
+        <p:txBody>
+          <a:bodyPr/>
+          <a:lstStyle/>
+          <a:p>
+            <a:endParaRPr lang="en-IN" dirty="0"/>
+          </a:p>
+        </p:txBody>
+      </p:sp>
+      <p:pic>
+        <p:nvPicPr>
+          <p:cNvPr id="5" name="Content Placeholder 4">
+            <a:extLst>
+              <a:ext uri="{FF2B5EF4-FFF2-40B4-BE49-F238E27FC236}">
+                <a16:creationId xmlns:a16="http://schemas.microsoft.com/office/drawing/2014/main" id="{12CC6778-5C05-B5E7-4572-0685167CDF65}"/>
+              </a:ext>
+            </a:extLst>
+          </p:cNvPr>
+          <p:cNvPicPr>
+            <a:picLocks noGrp="1" noChangeAspect="1"/>
+          </p:cNvPicPr>
+          <p:nvPr>
+            <p:ph idx="1"/>
+          </p:nvPr>
+        </p:nvPicPr>
+        <p:blipFill>
+          <a:blip r:embed="rId2"/>
+          <a:stretch>
+            <a:fillRect/>
+          </a:stretch>
+        </p:blipFill>
+        <p:spPr>
+          <a:xfrm>
+            <a:off x="208656" y="-265692"/>
+            <a:ext cx="10846197" cy="5731455"/>
+          </a:xfrm>
+        </p:spPr>
+      </p:pic>
+    </p:spTree>
+    <p:extLst>
+      <p:ext uri="{BB962C8B-B14F-4D97-AF65-F5344CB8AC3E}">
+        <p14:creationId xmlns:p14="http://schemas.microsoft.com/office/powerpoint/2010/main" val="1654171208"/>
+      </p:ext>
+    </p:extLst>
+  </p:cSld>
+  <p:clrMapOvr>
+    <a:masterClrMapping/>
+  </p:clrMapOvr>
+</p:sld>
+</file>
+
+<file path=ppt/slides/slide12.xml><?xml version="1.0" encoding="utf-8"?>
+<p:sld xmlns:a="http://schemas.openxmlformats.org/drawingml/2006/main" xmlns:r="http://schemas.openxmlformats.org/officeDocument/2006/relationships" xmlns:p="http://schemas.openxmlformats.org/presentationml/2006/main">
+  <p:cSld>
+    <p:spTree>
+      <p:nvGrpSpPr>
+        <p:cNvPr id="1" name=""/>
+        <p:cNvGrpSpPr/>
+        <p:nvPr/>
+      </p:nvGrpSpPr>
+      <p:grpSpPr>
+        <a:xfrm>
+          <a:off x="0" y="0"/>
+          <a:ext cx="0" cy="0"/>
+          <a:chOff x="0" y="0"/>
+          <a:chExt cx="0" cy="0"/>
+        </a:xfrm>
+      </p:grpSpPr>
+      <p:sp>
+        <p:nvSpPr>
+          <p:cNvPr id="2" name="Title 1">
+            <a:extLst>
+              <a:ext uri="{FF2B5EF4-FFF2-40B4-BE49-F238E27FC236}">
+                <a16:creationId xmlns:a16="http://schemas.microsoft.com/office/drawing/2014/main" id="{8810BCBB-CC13-D64E-9AAD-008D9F066A1B}"/>
+              </a:ext>
+            </a:extLst>
+          </p:cNvPr>
+          <p:cNvSpPr>
+            <a:spLocks noGrp="1"/>
+          </p:cNvSpPr>
+          <p:nvPr>
+            <p:ph type="title"/>
+          </p:nvPr>
+        </p:nvSpPr>
+        <p:spPr/>
+        <p:txBody>
+          <a:bodyPr/>
+          <a:lstStyle/>
+          <a:p>
+            <a:endParaRPr lang="en-IN" dirty="0"/>
+          </a:p>
+        </p:txBody>
+      </p:sp>
+      <p:pic>
+        <p:nvPicPr>
+          <p:cNvPr id="5" name="Content Placeholder 4">
+            <a:extLst>
+              <a:ext uri="{FF2B5EF4-FFF2-40B4-BE49-F238E27FC236}">
+                <a16:creationId xmlns:a16="http://schemas.microsoft.com/office/drawing/2014/main" id="{A30B6C6C-846C-B126-0CFF-98FA02C9013D}"/>
+              </a:ext>
+            </a:extLst>
+          </p:cNvPr>
+          <p:cNvPicPr>
+            <a:picLocks noGrp="1" noChangeAspect="1"/>
+          </p:cNvPicPr>
+          <p:nvPr>
+            <p:ph idx="1"/>
+          </p:nvPr>
+        </p:nvPicPr>
+        <p:blipFill>
+          <a:blip r:embed="rId2"/>
+          <a:stretch>
+            <a:fillRect/>
+          </a:stretch>
+        </p:blipFill>
+        <p:spPr>
+          <a:xfrm>
+            <a:off x="751905" y="507007"/>
+            <a:ext cx="10688190" cy="5666968"/>
+          </a:xfrm>
+        </p:spPr>
+      </p:pic>
+    </p:spTree>
+    <p:extLst>
+      <p:ext uri="{BB962C8B-B14F-4D97-AF65-F5344CB8AC3E}">
+        <p14:creationId xmlns:p14="http://schemas.microsoft.com/office/powerpoint/2010/main" val="3491494150"/>
+      </p:ext>
+    </p:extLst>
+  </p:cSld>
+  <p:clrMapOvr>
+    <a:masterClrMapping/>
+  </p:clrMapOvr>
+</p:sld>
+</file>
+
+<file path=ppt/slides/slide13.xml><?xml version="1.0" encoding="utf-8"?>
+<p:sld xmlns:a="http://schemas.openxmlformats.org/drawingml/2006/main" xmlns:r="http://schemas.openxmlformats.org/officeDocument/2006/relationships" xmlns:p="http://schemas.openxmlformats.org/presentationml/2006/main">
+  <p:cSld>
+    <p:spTree>
+      <p:nvGrpSpPr>
+        <p:cNvPr id="1" name=""/>
+        <p:cNvGrpSpPr/>
+        <p:nvPr/>
+      </p:nvGrpSpPr>
+      <p:grpSpPr>
+        <a:xfrm>
+          <a:off x="0" y="0"/>
+          <a:ext cx="0" cy="0"/>
+          <a:chOff x="0" y="0"/>
+          <a:chExt cx="0" cy="0"/>
+        </a:xfrm>
+      </p:grpSpPr>
+      <p:sp>
+        <p:nvSpPr>
+          <p:cNvPr id="2" name="Title 1">
+            <a:extLst>
+              <a:ext uri="{FF2B5EF4-FFF2-40B4-BE49-F238E27FC236}">
+                <a16:creationId xmlns:a16="http://schemas.microsoft.com/office/drawing/2014/main" id="{A58DF098-6F2A-122F-47C4-FB978D0E05E3}"/>
+              </a:ext>
+            </a:extLst>
+          </p:cNvPr>
+          <p:cNvSpPr>
+            <a:spLocks noGrp="1"/>
+          </p:cNvSpPr>
+          <p:nvPr>
+            <p:ph type="title"/>
+          </p:nvPr>
+        </p:nvSpPr>
+        <p:spPr/>
+        <p:txBody>
+          <a:bodyPr/>
+          <a:lstStyle/>
+          <a:p>
+            <a:endParaRPr lang="en-IN" dirty="0"/>
+          </a:p>
+        </p:txBody>
+      </p:sp>
+      <p:pic>
+        <p:nvPicPr>
+          <p:cNvPr id="5" name="Content Placeholder 4">
+            <a:extLst>
+              <a:ext uri="{FF2B5EF4-FFF2-40B4-BE49-F238E27FC236}">
+                <a16:creationId xmlns:a16="http://schemas.microsoft.com/office/drawing/2014/main" id="{A94961F9-553F-A15A-1A2A-A8F24BC50647}"/>
+              </a:ext>
+            </a:extLst>
+          </p:cNvPr>
+          <p:cNvPicPr>
+            <a:picLocks noGrp="1" noChangeAspect="1"/>
+          </p:cNvPicPr>
+          <p:nvPr>
+            <p:ph idx="1"/>
+          </p:nvPr>
+        </p:nvPicPr>
+        <p:blipFill>
+          <a:blip r:embed="rId2"/>
+          <a:stretch>
+            <a:fillRect/>
+          </a:stretch>
+        </p:blipFill>
+        <p:spPr>
+          <a:xfrm>
+            <a:off x="1227276" y="273029"/>
+            <a:ext cx="9827578" cy="5210664"/>
+          </a:xfrm>
+        </p:spPr>
+      </p:pic>
+    </p:spTree>
+    <p:extLst>
+      <p:ext uri="{BB962C8B-B14F-4D97-AF65-F5344CB8AC3E}">
+        <p14:creationId xmlns:p14="http://schemas.microsoft.com/office/powerpoint/2010/main" val="1178069162"/>
+      </p:ext>
+    </p:extLst>
+  </p:cSld>
+  <p:clrMapOvr>
+    <a:masterClrMapping/>
+  </p:clrMapOvr>
+</p:sld>
+</file>
+
 <file path=ppt/slides/slide2.xml><?xml version="1.0" encoding="utf-8"?>
 <p:sld xmlns:a="http://schemas.openxmlformats.org/drawingml/2006/main" xmlns:r="http://schemas.openxmlformats.org/officeDocument/2006/relationships" xmlns:p="http://schemas.openxmlformats.org/presentationml/2006/main">
   <p:cSld>
@@ -4115,7 +4577,7 @@
           <a:p>
             <a:r>
               <a:rPr lang="en-US" dirty="0"/>
-              <a:t>Human Pose Estimation identifies and classifies the poses of human body parts and joints in images or videos  in 2D or 3D space.</a:t>
+              <a:t>Human Pose Estimation identifies and classifies the poses of human body parts and joints in images or videos  in 2D </a:t>
             </a:r>
           </a:p>
           <a:p>
@@ -4127,7 +4589,7 @@
           <a:p>
             <a:r>
               <a:rPr lang="en-US" dirty="0"/>
-              <a:t>Then, when an image or video is given to the pose estimator model as input, it identifies the coordinates of these detected body parts and joints as output and a confidence score showing precision of the estimations.</a:t>
+              <a:t>Then, when an image  is given to the pose estimator model as input, it identifies the coordinates of these detected body parts and joints as output and a confidence score showing precision of the estimations.</a:t>
             </a:r>
           </a:p>
           <a:p>
@@ -4247,17 +4709,13 @@
             </a:pPr>
             <a:r>
               <a:rPr lang="en-US" b="1" dirty="0"/>
-              <a:t>Video</a:t>
-            </a:r>
-          </a:p>
-          <a:p>
-            <a:pPr marL="514350" indent="-514350">
-              <a:buFont typeface="+mj-lt"/>
-              <a:buAutoNum type="romanUcPeriod"/>
-            </a:pPr>
-            <a:r>
-              <a:rPr lang="en-US" b="1" dirty="0"/>
               <a:t>Webcam demo</a:t>
+            </a:r>
+          </a:p>
+          <a:p>
+            <a:r>
+              <a:rPr lang="en-US" dirty="0"/>
+              <a:t> To estimate the sitting position of a person when side view of the person is given as input.</a:t>
             </a:r>
             <a:endParaRPr lang="en-IN" dirty="0"/>
           </a:p>
@@ -4462,7 +4920,7 @@
         <p:spPr/>
         <p:txBody>
           <a:bodyPr>
-            <a:normAutofit fontScale="92500"/>
+            <a:normAutofit/>
           </a:bodyPr>
           <a:lstStyle/>
           <a:p>
@@ -4474,13 +4932,13 @@
           <a:p>
             <a:r>
               <a:rPr lang="en-US" dirty="0"/>
-              <a:t>When it comes to computer vision tasks, deep convolutional neural networks (CNN) surpass all other algorithms,. </a:t>
+              <a:t>When it comes to computer vision tasks, deep convolutional neural networks  surpass all other algorithms,. </a:t>
             </a:r>
           </a:p>
           <a:p>
             <a:r>
               <a:rPr lang="en-US" dirty="0"/>
-              <a:t>CNN has the ability to extract patterns and representations from the given input image with more precision and accuracy than any other algorithm; this makes CNN very useful for tasks such as </a:t>
+              <a:t>It has the ability to extract patterns and representations from the given input image with more precision and accuracy than any other algorithm; this makes  very useful for tasks such as </a:t>
             </a:r>
             <a:r>
               <a:rPr lang="en-US" dirty="0">
@@ -4513,7 +4971,7 @@
           <a:p>
             <a:r>
               <a:rPr lang="en-US" dirty="0"/>
-              <a:t>CNN can learn complex features when provided with </a:t>
+              <a:t>It can learn complex features when provided with </a:t>
             </a:r>
             <a:r>
               <a:rPr lang="en-US" dirty="0">
@@ -4630,16 +5088,6 @@
             <a:r>
               <a:rPr lang="en-US" dirty="0"/>
               <a:t>Image</a:t>
-            </a:r>
-          </a:p>
-          <a:p>
-            <a:pPr marL="457200" indent="-457200">
-              <a:buFont typeface="+mj-lt"/>
-              <a:buAutoNum type="arabicPeriod"/>
-            </a:pPr>
-            <a:r>
-              <a:rPr lang="en-US" dirty="0"/>
-              <a:t>Video</a:t>
             </a:r>
           </a:p>
           <a:p>
